--- a/presentation.pdf.pptx
+++ b/presentation.pdf.pptx
@@ -5,10 +5,10 @@
     <p:sldMasterId id="2147483648" r:id="rId1"/>
   </p:sldMasterIdLst>
   <p:notesMasterIdLst>
-    <p:notesMasterId r:id="rId7"/>
+    <p:notesMasterId r:id="rId9"/>
   </p:notesMasterIdLst>
   <p:handoutMasterIdLst>
-    <p:handoutMasterId r:id="rId8"/>
+    <p:handoutMasterId r:id="rId10"/>
   </p:handoutMasterIdLst>
   <p:sldIdLst>
     <p:sldId id="256" r:id="rId2"/>
@@ -16,6 +16,8 @@
     <p:sldId id="266" r:id="rId4"/>
     <p:sldId id="267" r:id="rId5"/>
     <p:sldId id="269" r:id="rId6"/>
+    <p:sldId id="270" r:id="rId7"/>
+    <p:sldId id="271" r:id="rId8"/>
   </p:sldIdLst>
   <p:sldSz cx="12192000" cy="6858000"/>
   <p:notesSz cx="6858000" cy="9144000"/>
@@ -218,7 +220,7 @@
           <a:p>
             <a:fld id="{762B48F5-BACC-47D6-A0F7-82FBF9C6BC85}" type="datetimeFigureOut">
               <a:rPr lang="en-US"/>
-              <a:t>4/4/2022</a:t>
+              <a:t>4/8/2022</a:t>
             </a:fld>
             <a:endParaRPr/>
           </a:p>
@@ -383,7 +385,7 @@
           <a:p>
             <a:fld id="{0CB1CD00-5424-4675-AB18-2C419B060449}" type="datetimeFigureOut">
               <a:rPr lang="en-US"/>
-              <a:t>4/4/2022</a:t>
+              <a:t>4/8/2022</a:t>
             </a:fld>
             <a:endParaRPr/>
           </a:p>
@@ -1034,7 +1036,7 @@
           <a:p>
             <a:fld id="{37CC0096-1860-4642-9CD2-0079EA5E7CD1}" type="datetimeFigureOut">
               <a:rPr lang="en-US" smtClean="0"/>
-              <a:t>4/4/2022</a:t>
+              <a:t>4/8/2022</a:t>
             </a:fld>
             <a:endParaRPr lang="en-US"/>
           </a:p>
@@ -1214,7 +1216,7 @@
           <a:p>
             <a:fld id="{37CC0096-1860-4642-9CD2-0079EA5E7CD1}" type="datetimeFigureOut">
               <a:rPr lang="en-US" smtClean="0"/>
-              <a:t>4/4/2022</a:t>
+              <a:t>4/8/2022</a:t>
             </a:fld>
             <a:endParaRPr lang="en-US"/>
           </a:p>
@@ -1388,7 +1390,7 @@
           <a:p>
             <a:fld id="{37CC0096-1860-4642-9CD2-0079EA5E7CD1}" type="datetimeFigureOut">
               <a:rPr lang="en-US" smtClean="0"/>
-              <a:t>4/4/2022</a:t>
+              <a:t>4/8/2022</a:t>
             </a:fld>
             <a:endParaRPr lang="en-US"/>
           </a:p>
@@ -1823,7 +1825,7 @@
           <a:p>
             <a:fld id="{37CC0096-1860-4642-9CD2-0079EA5E7CD1}" type="datetimeFigureOut">
               <a:rPr lang="en-US" smtClean="0"/>
-              <a:t>4/4/2022</a:t>
+              <a:t>4/8/2022</a:t>
             </a:fld>
             <a:endParaRPr lang="en-US"/>
           </a:p>
@@ -2263,7 +2265,7 @@
           <a:p>
             <a:fld id="{37CC0096-1860-4642-9CD2-0079EA5E7CD1}" type="datetimeFigureOut">
               <a:rPr lang="en-US" smtClean="0"/>
-              <a:t>4/4/2022</a:t>
+              <a:t>4/8/2022</a:t>
             </a:fld>
             <a:endParaRPr lang="en-US"/>
           </a:p>
@@ -2381,7 +2383,7 @@
           <a:p>
             <a:fld id="{37CC0096-1860-4642-9CD2-0079EA5E7CD1}" type="datetimeFigureOut">
               <a:rPr lang="en-US" smtClean="0"/>
-              <a:t>4/4/2022</a:t>
+              <a:t>4/8/2022</a:t>
             </a:fld>
             <a:endParaRPr lang="en-US"/>
           </a:p>
@@ -2476,7 +2478,7 @@
           <a:p>
             <a:fld id="{37CC0096-1860-4642-9CD2-0079EA5E7CD1}" type="datetimeFigureOut">
               <a:rPr lang="en-US" smtClean="0"/>
-              <a:t>4/4/2022</a:t>
+              <a:t>4/8/2022</a:t>
             </a:fld>
             <a:endParaRPr lang="en-US"/>
           </a:p>
@@ -2760,7 +2762,7 @@
           <a:p>
             <a:fld id="{37CC0096-1860-4642-9CD2-0079EA5E7CD1}" type="datetimeFigureOut">
               <a:rPr lang="en-US" smtClean="0"/>
-              <a:t>4/4/2022</a:t>
+              <a:t>4/8/2022</a:t>
             </a:fld>
             <a:endParaRPr lang="en-US"/>
           </a:p>
@@ -3073,7 +3075,7 @@
           <a:p>
             <a:fld id="{37CC0096-1860-4642-9CD2-0079EA5E7CD1}" type="datetimeFigureOut">
               <a:rPr lang="en-US" smtClean="0"/>
-              <a:t>4/4/2022</a:t>
+              <a:t>4/8/2022</a:t>
             </a:fld>
             <a:endParaRPr lang="en-US"/>
           </a:p>
@@ -3305,7 +3307,7 @@
             <a:fld id="{37CC0096-1860-4642-9CD2-0079EA5E7CD1}" type="datetimeFigureOut">
               <a:rPr lang="en-US" smtClean="0"/>
               <a:pPr/>
-              <a:t>4/4/2022</a:t>
+              <a:t>4/8/2022</a:t>
             </a:fld>
             <a:endParaRPr lang="en-US"/>
           </a:p>
@@ -3915,7 +3917,6 @@
               <a:rPr lang="en-US" dirty="0"/>
               <a:t>(CD)</a:t>
             </a:r>
-            <a:endParaRPr lang="en-US" dirty="0"/>
           </a:p>
         </p:txBody>
       </p:sp>
@@ -4294,8 +4295,30 @@
             </a:r>
             <a:r>
               <a:rPr lang="en-US" dirty="0"/>
-              <a:t>isolation refers to the practice of designing systems such that when an error occurs, the negative outcomes are limited in scope. Limiting the scope of problems reduces the potential for damage and makes systems easier to maintain. Designing your system with CI/CD ensures that fault isolations are faster to detect and easier to implement. Fault isolations combine monitoring the system, identifying when the fault occurred, and triggering its location. Thus, the consequences of bugs appearing in the application are limited in scope. Sudden breakdowns and other critical issues can be prevented from occurring with the ability to isolate the problem before it can cause damage to the entire system</a:t>
-            </a:r>
+              <a:t>isolation refers to the practice of designing systems such that when an error occurs, the negative outcomes are limited in scope. Limiting the scope of problems reduces the potential for damage and makes systems easier to maintain. Designing your system with CI/CD ensures that fault isolations are faster to detect and easier to implement. Fault isolations combine monitoring the system, identifying when the fault occurred, and triggering its location. Thus, the consequences of bugs appearing in the application are limited in scope. Sudden breakdowns and other critical issues can be prevented from occurring with the ability to isolate the problem before it can cause damage to the entire </a:t>
+            </a:r>
+            <a:r>
+              <a:rPr lang="en-US" dirty="0" smtClean="0"/>
+              <a:t>system</a:t>
+            </a:r>
+          </a:p>
+          <a:p>
+            <a:pPr marL="0" indent="0" algn="just">
+              <a:lnSpc>
+                <a:spcPct val="150000"/>
+              </a:lnSpc>
+              <a:buNone/>
+            </a:pPr>
+            <a:endParaRPr lang="en-US" dirty="0"/>
+          </a:p>
+          <a:p>
+            <a:pPr marL="0" indent="0" algn="just">
+              <a:lnSpc>
+                <a:spcPct val="150000"/>
+              </a:lnSpc>
+              <a:buNone/>
+            </a:pPr>
+            <a:endParaRPr lang="en-US" dirty="0"/>
           </a:p>
         </p:txBody>
       </p:sp>
@@ -4303,6 +4326,504 @@
     <p:extLst>
       <p:ext uri="{BB962C8B-B14F-4D97-AF65-F5344CB8AC3E}">
         <p14:creationId xmlns:p14="http://schemas.microsoft.com/office/powerpoint/2010/main" val="1153027685"/>
+      </p:ext>
+    </p:extLst>
+  </p:cSld>
+  <p:clrMapOvr>
+    <a:masterClrMapping/>
+  </p:clrMapOvr>
+</p:sld>
+</file>
+
+<file path=ppt/slides/slide6.xml><?xml version="1.0" encoding="utf-8"?>
+<p:sld xmlns:a="http://schemas.openxmlformats.org/drawingml/2006/main" xmlns:r="http://schemas.openxmlformats.org/officeDocument/2006/relationships" xmlns:p="http://schemas.openxmlformats.org/presentationml/2006/main">
+  <p:cSld>
+    <p:spTree>
+      <p:nvGrpSpPr>
+        <p:cNvPr id="1" name=""/>
+        <p:cNvGrpSpPr/>
+        <p:nvPr/>
+      </p:nvGrpSpPr>
+      <p:grpSpPr>
+        <a:xfrm>
+          <a:off x="0" y="0"/>
+          <a:ext cx="0" cy="0"/>
+          <a:chOff x="0" y="0"/>
+          <a:chExt cx="0" cy="0"/>
+        </a:xfrm>
+      </p:grpSpPr>
+      <p:sp>
+        <p:nvSpPr>
+          <p:cNvPr id="3" name="Content Placeholder 2"/>
+          <p:cNvSpPr>
+            <a:spLocks noGrp="1"/>
+          </p:cNvSpPr>
+          <p:nvPr>
+            <p:ph idx="1"/>
+          </p:nvPr>
+        </p:nvSpPr>
+        <p:spPr>
+          <a:xfrm>
+            <a:off x="1524000" y="609600"/>
+            <a:ext cx="9144000" cy="5562600"/>
+          </a:xfrm>
+        </p:spPr>
+        <p:txBody>
+          <a:bodyPr/>
+          <a:lstStyle/>
+          <a:p>
+            <a:pPr>
+              <a:lnSpc>
+                <a:spcPct val="150000"/>
+              </a:lnSpc>
+              <a:buFont typeface="Wingdings" panose="05000000000000000000" pitchFamily="2" charset="2"/>
+              <a:buChar char="ü"/>
+            </a:pPr>
+            <a:r>
+              <a:rPr lang="en-US" dirty="0"/>
+              <a:t> </a:t>
+            </a:r>
+            <a:r>
+              <a:rPr lang="en-US" dirty="0" smtClean="0"/>
+              <a:t>CI/CD is able to catch compile error after  merge leading to developers spending less time on issues related to newly  merge code thereby reducing cost in business production.</a:t>
+            </a:r>
+          </a:p>
+          <a:p>
+            <a:pPr>
+              <a:lnSpc>
+                <a:spcPct val="150000"/>
+              </a:lnSpc>
+              <a:buFont typeface="Wingdings" panose="05000000000000000000" pitchFamily="2" charset="2"/>
+              <a:buChar char="ü"/>
+            </a:pPr>
+            <a:r>
+              <a:rPr lang="en-US" dirty="0"/>
+              <a:t> </a:t>
+            </a:r>
+            <a:r>
+              <a:rPr lang="en-US" dirty="0" smtClean="0"/>
+              <a:t>CI/CD is able to detect security vulnerabilities leading to the prevention of embarrassing &amp; costly security holes thereby avoiding cost in maintaining or fixing the security issue.</a:t>
+            </a:r>
+          </a:p>
+          <a:p>
+            <a:pPr>
+              <a:lnSpc>
+                <a:spcPct val="150000"/>
+              </a:lnSpc>
+              <a:buFont typeface="Wingdings" panose="05000000000000000000" pitchFamily="2" charset="2"/>
+              <a:buChar char="ü"/>
+            </a:pPr>
+            <a:r>
+              <a:rPr lang="en-US" dirty="0"/>
+              <a:t> </a:t>
+            </a:r>
+            <a:r>
+              <a:rPr lang="en-US" dirty="0" smtClean="0"/>
+              <a:t>CI/CD is able to automate infrastructure cleanup which leads to easy cleanup of infrastructure not being used thereby reducing cost.</a:t>
+            </a:r>
+          </a:p>
+          <a:p>
+            <a:pPr>
+              <a:lnSpc>
+                <a:spcPct val="150000"/>
+              </a:lnSpc>
+              <a:buFont typeface="Wingdings" panose="05000000000000000000" pitchFamily="2" charset="2"/>
+              <a:buChar char="ü"/>
+            </a:pPr>
+            <a:r>
+              <a:rPr lang="en-US" dirty="0"/>
+              <a:t> </a:t>
+            </a:r>
+            <a:r>
+              <a:rPr lang="en-US" dirty="0" smtClean="0"/>
+              <a:t>CI/CD leads to faster and more frequent development deployment production on need which leads to the release of new features thereby increasing revenue.</a:t>
+            </a:r>
+            <a:endParaRPr lang="en-US" dirty="0"/>
+          </a:p>
+        </p:txBody>
+      </p:sp>
+    </p:spTree>
+    <p:extLst>
+      <p:ext uri="{BB962C8B-B14F-4D97-AF65-F5344CB8AC3E}">
+        <p14:creationId xmlns:p14="http://schemas.microsoft.com/office/powerpoint/2010/main" val="463257250"/>
+      </p:ext>
+    </p:extLst>
+  </p:cSld>
+  <p:clrMapOvr>
+    <a:masterClrMapping/>
+  </p:clrMapOvr>
+</p:sld>
+</file>
+
+<file path=ppt/slides/slide7.xml><?xml version="1.0" encoding="utf-8"?>
+<p:sld xmlns:a="http://schemas.openxmlformats.org/drawingml/2006/main" xmlns:r="http://schemas.openxmlformats.org/officeDocument/2006/relationships" xmlns:p="http://schemas.openxmlformats.org/presentationml/2006/main">
+  <p:cSld>
+    <p:spTree>
+      <p:nvGrpSpPr>
+        <p:cNvPr id="1" name=""/>
+        <p:cNvGrpSpPr/>
+        <p:nvPr/>
+      </p:nvGrpSpPr>
+      <p:grpSpPr>
+        <a:xfrm>
+          <a:off x="0" y="0"/>
+          <a:ext cx="0" cy="0"/>
+          <a:chOff x="0" y="0"/>
+          <a:chExt cx="0" cy="0"/>
+        </a:xfrm>
+      </p:grpSpPr>
+      <p:sp>
+        <p:nvSpPr>
+          <p:cNvPr id="2" name="Title 1"/>
+          <p:cNvSpPr>
+            <a:spLocks noGrp="1"/>
+          </p:cNvSpPr>
+          <p:nvPr>
+            <p:ph type="title"/>
+          </p:nvPr>
+        </p:nvSpPr>
+        <p:spPr>
+          <a:xfrm>
+            <a:off x="1524000" y="457200"/>
+            <a:ext cx="9144000" cy="762000"/>
+          </a:xfrm>
+        </p:spPr>
+        <p:txBody>
+          <a:bodyPr/>
+          <a:lstStyle/>
+          <a:p>
+            <a:pPr algn="ctr"/>
+            <a:r>
+              <a:rPr lang="en-US" b="1" dirty="0" smtClean="0"/>
+              <a:t>Summary of some Benefits</a:t>
+            </a:r>
+            <a:endParaRPr lang="en-US" b="1" dirty="0"/>
+          </a:p>
+        </p:txBody>
+      </p:sp>
+      <p:graphicFrame>
+        <p:nvGraphicFramePr>
+          <p:cNvPr id="12" name="Content Placeholder 11"/>
+          <p:cNvGraphicFramePr>
+            <a:graphicFrameLocks noGrp="1"/>
+          </p:cNvGraphicFramePr>
+          <p:nvPr>
+            <p:ph idx="1"/>
+            <p:extLst>
+              <p:ext uri="{D42A27DB-BD31-4B8C-83A1-F6EECF244321}">
+                <p14:modId xmlns:p14="http://schemas.microsoft.com/office/powerpoint/2010/main" val="1369831427"/>
+              </p:ext>
+            </p:extLst>
+          </p:nvPr>
+        </p:nvGraphicFramePr>
+        <p:xfrm>
+          <a:off x="1524000" y="1828800"/>
+          <a:ext cx="9144000" cy="3205480"/>
+        </p:xfrm>
+        <a:graphic>
+          <a:graphicData uri="http://schemas.openxmlformats.org/drawingml/2006/table">
+            <a:tbl>
+              <a:tblPr firstRow="1" bandRow="1">
+                <a:tableStyleId>{5C22544A-7EE6-4342-B048-85BDC9FD1C3A}</a:tableStyleId>
+              </a:tblPr>
+              <a:tblGrid>
+                <a:gridCol w="3048000">
+                  <a:extLst>
+                    <a:ext uri="{9D8B030D-6E8A-4147-A177-3AD203B41FA5}">
+                      <a16:colId xmlns:a16="http://schemas.microsoft.com/office/drawing/2014/main" val="3532740010"/>
+                    </a:ext>
+                  </a:extLst>
+                </a:gridCol>
+                <a:gridCol w="3048000">
+                  <a:extLst>
+                    <a:ext uri="{9D8B030D-6E8A-4147-A177-3AD203B41FA5}">
+                      <a16:colId xmlns:a16="http://schemas.microsoft.com/office/drawing/2014/main" val="4113769632"/>
+                    </a:ext>
+                  </a:extLst>
+                </a:gridCol>
+                <a:gridCol w="3048000">
+                  <a:extLst>
+                    <a:ext uri="{9D8B030D-6E8A-4147-A177-3AD203B41FA5}">
+                      <a16:colId xmlns:a16="http://schemas.microsoft.com/office/drawing/2014/main" val="2450888379"/>
+                    </a:ext>
+                  </a:extLst>
+                </a:gridCol>
+              </a:tblGrid>
+              <a:tr h="370840">
+                <a:tc>
+                  <a:txBody>
+                    <a:bodyPr/>
+                    <a:lstStyle/>
+                    <a:p>
+                      <a:pPr algn="l"/>
+                      <a:r>
+                        <a:rPr lang="en-US" b="1" dirty="0">
+                          <a:effectLst/>
+                        </a:rPr>
+                        <a:t>Technical Language</a:t>
+                      </a:r>
+                      <a:endParaRPr lang="en-US" dirty="0">
+                        <a:effectLst/>
+                      </a:endParaRPr>
+                    </a:p>
+                  </a:txBody>
+                  <a:tcPr anchor="ctr"/>
+                </a:tc>
+                <a:tc>
+                  <a:txBody>
+                    <a:bodyPr/>
+                    <a:lstStyle/>
+                    <a:p>
+                      <a:r>
+                        <a:rPr lang="en-US" b="1"/>
+                        <a:t>Value</a:t>
+                      </a:r>
+                      <a:endParaRPr lang="en-US"/>
+                    </a:p>
+                  </a:txBody>
+                  <a:tcPr anchor="ctr"/>
+                </a:tc>
+                <a:tc>
+                  <a:txBody>
+                    <a:bodyPr/>
+                    <a:lstStyle/>
+                    <a:p>
+                      <a:pPr algn="l"/>
+                      <a:r>
+                        <a:rPr lang="en-US" b="1">
+                          <a:effectLst/>
+                        </a:rPr>
+                        <a:t>Translation</a:t>
+                      </a:r>
+                      <a:endParaRPr lang="en-US">
+                        <a:effectLst/>
+                      </a:endParaRPr>
+                    </a:p>
+                  </a:txBody>
+                  <a:tcPr anchor="ctr"/>
+                </a:tc>
+                <a:extLst>
+                  <a:ext uri="{0D108BD9-81ED-4DB2-BD59-A6C34878D82A}">
+                    <a16:rowId xmlns:a16="http://schemas.microsoft.com/office/drawing/2014/main" val="1020095586"/>
+                  </a:ext>
+                </a:extLst>
+              </a:tr>
+              <a:tr h="370840">
+                <a:tc>
+                  <a:txBody>
+                    <a:bodyPr/>
+                    <a:lstStyle/>
+                    <a:p>
+                      <a:pPr algn="l"/>
+                      <a:r>
+                        <a:rPr lang="en-US">
+                          <a:effectLst/>
+                        </a:rPr>
+                        <a:t>Catch Compile Errors After Merge</a:t>
+                      </a:r>
+                    </a:p>
+                  </a:txBody>
+                  <a:tcPr anchor="ctr"/>
+                </a:tc>
+                <a:tc>
+                  <a:txBody>
+                    <a:bodyPr/>
+                    <a:lstStyle/>
+                    <a:p>
+                      <a:r>
+                        <a:rPr lang="en-US"/>
+                        <a:t>Reduce Cost</a:t>
+                      </a:r>
+                    </a:p>
+                  </a:txBody>
+                  <a:tcPr anchor="ctr"/>
+                </a:tc>
+                <a:tc>
+                  <a:txBody>
+                    <a:bodyPr/>
+                    <a:lstStyle/>
+                    <a:p>
+                      <a:pPr algn="l"/>
+                      <a:r>
+                        <a:rPr lang="en-US">
+                          <a:effectLst/>
+                        </a:rPr>
+                        <a:t>Less developer time on issues from new developer code</a:t>
+                      </a:r>
+                    </a:p>
+                  </a:txBody>
+                  <a:tcPr anchor="ctr"/>
+                </a:tc>
+                <a:extLst>
+                  <a:ext uri="{0D108BD9-81ED-4DB2-BD59-A6C34878D82A}">
+                    <a16:rowId xmlns:a16="http://schemas.microsoft.com/office/drawing/2014/main" val="3986657496"/>
+                  </a:ext>
+                </a:extLst>
+              </a:tr>
+              <a:tr h="370840">
+                <a:tc>
+                  <a:txBody>
+                    <a:bodyPr/>
+                    <a:lstStyle/>
+                    <a:p>
+                      <a:pPr algn="l"/>
+                      <a:r>
+                        <a:rPr lang="en-US" dirty="0">
+                          <a:effectLst/>
+                        </a:rPr>
+                        <a:t>Detect Security Vulnerabilities</a:t>
+                      </a:r>
+                    </a:p>
+                  </a:txBody>
+                  <a:tcPr anchor="ctr"/>
+                </a:tc>
+                <a:tc>
+                  <a:txBody>
+                    <a:bodyPr/>
+                    <a:lstStyle/>
+                    <a:p>
+                      <a:r>
+                        <a:rPr lang="en-US"/>
+                        <a:t>Avoid Cost</a:t>
+                      </a:r>
+                    </a:p>
+                  </a:txBody>
+                  <a:tcPr anchor="ctr"/>
+                </a:tc>
+                <a:tc>
+                  <a:txBody>
+                    <a:bodyPr/>
+                    <a:lstStyle/>
+                    <a:p>
+                      <a:pPr algn="l"/>
+                      <a:r>
+                        <a:rPr lang="en-US">
+                          <a:effectLst/>
+                        </a:rPr>
+                        <a:t>Prevent embarrassing or costly security holes</a:t>
+                      </a:r>
+                    </a:p>
+                  </a:txBody>
+                  <a:tcPr anchor="ctr"/>
+                </a:tc>
+                <a:extLst>
+                  <a:ext uri="{0D108BD9-81ED-4DB2-BD59-A6C34878D82A}">
+                    <a16:rowId xmlns:a16="http://schemas.microsoft.com/office/drawing/2014/main" val="248380430"/>
+                  </a:ext>
+                </a:extLst>
+              </a:tr>
+              <a:tr h="370840">
+                <a:tc>
+                  <a:txBody>
+                    <a:bodyPr/>
+                    <a:lstStyle/>
+                    <a:p>
+                      <a:pPr algn="l"/>
+                      <a:r>
+                        <a:rPr lang="en-US" dirty="0">
+                          <a:effectLst/>
+                        </a:rPr>
+                        <a:t>Automate Infrastructure Cleanup</a:t>
+                      </a:r>
+                    </a:p>
+                  </a:txBody>
+                  <a:tcPr anchor="ctr"/>
+                </a:tc>
+                <a:tc>
+                  <a:txBody>
+                    <a:bodyPr/>
+                    <a:lstStyle/>
+                    <a:p>
+                      <a:r>
+                        <a:rPr lang="en-US"/>
+                        <a:t>Reduce Cost</a:t>
+                      </a:r>
+                    </a:p>
+                  </a:txBody>
+                  <a:tcPr anchor="ctr"/>
+                </a:tc>
+                <a:tc>
+                  <a:txBody>
+                    <a:bodyPr/>
+                    <a:lstStyle/>
+                    <a:p>
+                      <a:pPr algn="l"/>
+                      <a:r>
+                        <a:rPr lang="en-US" dirty="0">
+                          <a:effectLst/>
+                        </a:rPr>
+                        <a:t>Less infrastructure costs from unused resources</a:t>
+                      </a:r>
+                    </a:p>
+                  </a:txBody>
+                  <a:tcPr anchor="ctr"/>
+                </a:tc>
+                <a:extLst>
+                  <a:ext uri="{0D108BD9-81ED-4DB2-BD59-A6C34878D82A}">
+                    <a16:rowId xmlns:a16="http://schemas.microsoft.com/office/drawing/2014/main" val="3084110718"/>
+                  </a:ext>
+                </a:extLst>
+              </a:tr>
+              <a:tr h="370840">
+                <a:tc>
+                  <a:txBody>
+                    <a:bodyPr/>
+                    <a:lstStyle/>
+                    <a:p>
+                      <a:pPr algn="l"/>
+                      <a:r>
+                        <a:rPr lang="en-US">
+                          <a:effectLst/>
+                        </a:rPr>
+                        <a:t>Faster and More Frequent Production Deployments</a:t>
+                      </a:r>
+                    </a:p>
+                  </a:txBody>
+                  <a:tcPr anchor="ctr"/>
+                </a:tc>
+                <a:tc>
+                  <a:txBody>
+                    <a:bodyPr/>
+                    <a:lstStyle/>
+                    <a:p>
+                      <a:r>
+                        <a:rPr lang="en-US"/>
+                        <a:t>Increase Revenue</a:t>
+                      </a:r>
+                    </a:p>
+                  </a:txBody>
+                  <a:tcPr anchor="ctr"/>
+                </a:tc>
+                <a:tc>
+                  <a:txBody>
+                    <a:bodyPr/>
+                    <a:lstStyle/>
+                    <a:p>
+                      <a:pPr algn="l"/>
+                      <a:r>
+                        <a:rPr lang="en-US" dirty="0">
+                          <a:effectLst/>
+                        </a:rPr>
+                        <a:t>New value-generating features released more quickly</a:t>
+                      </a:r>
+                    </a:p>
+                  </a:txBody>
+                  <a:tcPr anchor="ctr"/>
+                </a:tc>
+                <a:extLst>
+                  <a:ext uri="{0D108BD9-81ED-4DB2-BD59-A6C34878D82A}">
+                    <a16:rowId xmlns:a16="http://schemas.microsoft.com/office/drawing/2014/main" val="230107529"/>
+                  </a:ext>
+                </a:extLst>
+              </a:tr>
+            </a:tbl>
+          </a:graphicData>
+        </a:graphic>
+      </p:graphicFrame>
+    </p:spTree>
+    <p:extLst>
+      <p:ext uri="{BB962C8B-B14F-4D97-AF65-F5344CB8AC3E}">
+        <p14:creationId xmlns:p14="http://schemas.microsoft.com/office/powerpoint/2010/main" val="4272845381"/>
       </p:ext>
     </p:extLst>
   </p:cSld>
